--- a/课程PPT/20.JS标准内置对象-构造器（RegExp）正则表达式.pptx
+++ b/课程PPT/20.JS标准内置对象-构造器（RegExp）正则表达式.pptx
@@ -5,29 +5,29 @@
     <p:sldMasterId id="2147483648" r:id="rId1"/>
   </p:sldMasterIdLst>
   <p:notesMasterIdLst>
-    <p:notesMasterId r:id="rId19"/>
+    <p:notesMasterId r:id="rId5"/>
   </p:notesMasterIdLst>
   <p:handoutMasterIdLst>
-    <p:handoutMasterId r:id="rId20"/>
+    <p:handoutMasterId r:id="rId21"/>
   </p:handoutMasterIdLst>
   <p:sldIdLst>
-    <p:sldId id="1262" r:id="rId2"/>
-    <p:sldId id="1263" r:id="rId3"/>
-    <p:sldId id="1285" r:id="rId4"/>
-    <p:sldId id="1308" r:id="rId5"/>
-    <p:sldId id="1286" r:id="rId6"/>
-    <p:sldId id="1309" r:id="rId7"/>
-    <p:sldId id="1332" r:id="rId8"/>
-    <p:sldId id="1335" r:id="rId9"/>
-    <p:sldId id="1334" r:id="rId10"/>
-    <p:sldId id="1336" r:id="rId11"/>
-    <p:sldId id="1338" r:id="rId12"/>
-    <p:sldId id="1339" r:id="rId13"/>
-    <p:sldId id="1341" r:id="rId14"/>
-    <p:sldId id="1337" r:id="rId15"/>
-    <p:sldId id="1340" r:id="rId16"/>
-    <p:sldId id="1264" r:id="rId17"/>
-    <p:sldId id="1353" r:id="rId18"/>
+    <p:sldId id="1262" r:id="rId3"/>
+    <p:sldId id="1263" r:id="rId4"/>
+    <p:sldId id="1285" r:id="rId6"/>
+    <p:sldId id="1308" r:id="rId7"/>
+    <p:sldId id="1286" r:id="rId8"/>
+    <p:sldId id="1309" r:id="rId9"/>
+    <p:sldId id="1332" r:id="rId10"/>
+    <p:sldId id="1335" r:id="rId11"/>
+    <p:sldId id="1334" r:id="rId12"/>
+    <p:sldId id="1336" r:id="rId13"/>
+    <p:sldId id="1338" r:id="rId14"/>
+    <p:sldId id="1339" r:id="rId15"/>
+    <p:sldId id="1341" r:id="rId16"/>
+    <p:sldId id="1337" r:id="rId17"/>
+    <p:sldId id="1340" r:id="rId18"/>
+    <p:sldId id="1264" r:id="rId19"/>
+    <p:sldId id="1353" r:id="rId20"/>
   </p:sldIdLst>
   <p:sldSz cx="12192000" cy="6858000"/>
   <p:notesSz cx="6797675" cy="9928225"/>
@@ -241,7 +241,6 @@
           <a:p>
             <a:fld id="{0F9B84EA-7D68-4D60-9CB1-D50884785D1C}" type="datetimeFigureOut">
               <a:rPr lang="zh-CN" altLang="en-US" smtClean="0"/>
-              <a:t>2018/1/29</a:t>
             </a:fld>
             <a:endParaRPr lang="zh-CN" altLang="en-US"/>
           </a:p>
@@ -307,18 +306,12 @@
           <a:p>
             <a:fld id="{8D4E0FC9-F1F8-4FAE-9988-3BA365CFD46F}" type="slidenum">
               <a:rPr lang="zh-CN" altLang="en-US" smtClean="0"/>
-              <a:t>‹#›</a:t>
             </a:fld>
             <a:endParaRPr lang="zh-CN" altLang="en-US"/>
           </a:p>
         </p:txBody>
       </p:sp>
     </p:spTree>
-    <p:extLst>
-      <p:ext uri="{BB962C8B-B14F-4D97-AF65-F5344CB8AC3E}">
-        <p14:creationId xmlns:p14="http://schemas.microsoft.com/office/powerpoint/2010/main" val="3054469439"/>
-      </p:ext>
-    </p:extLst>
   </p:cSld>
   <p:clrMap bg1="lt1" tx1="dk1" bg2="lt2" tx2="dk2" accent1="accent1" accent2="accent2" accent3="accent3" accent4="accent4" accent5="accent5" accent6="accent6" hlink="hlink" folHlink="folHlink"/>
 </p:handoutMaster>
@@ -511,6 +504,7 @@
               <a:rPr lang="zh-CN" altLang="zh-CN" noProof="0" smtClean="0"/>
               <a:t>                                                   </a:t>
             </a:r>
+            <a:endParaRPr lang="zh-CN" altLang="zh-CN" noProof="0" smtClean="0"/>
           </a:p>
           <a:p>
             <a:pPr lvl="1"/>
@@ -518,6 +512,7 @@
               <a:rPr lang="zh-CN" altLang="zh-CN" noProof="0" smtClean="0"/>
               <a:t>               </a:t>
             </a:r>
+            <a:endParaRPr lang="zh-CN" altLang="zh-CN" noProof="0" smtClean="0"/>
           </a:p>
           <a:p>
             <a:pPr lvl="2"/>
@@ -525,6 +520,7 @@
               <a:rPr lang="zh-CN" altLang="zh-CN" noProof="0" smtClean="0"/>
               <a:t>                </a:t>
             </a:r>
+            <a:endParaRPr lang="zh-CN" altLang="zh-CN" noProof="0" smtClean="0"/>
           </a:p>
           <a:p>
             <a:pPr lvl="3"/>
@@ -532,6 +528,7 @@
               <a:rPr lang="zh-CN" altLang="zh-CN" noProof="0" smtClean="0"/>
               <a:t>                </a:t>
             </a:r>
+            <a:endParaRPr lang="zh-CN" altLang="zh-CN" noProof="0" smtClean="0"/>
           </a:p>
           <a:p>
             <a:pPr lvl="4"/>
@@ -539,6 +536,7 @@
               <a:rPr lang="zh-CN" altLang="zh-CN" noProof="0" smtClean="0"/>
               <a:t>                </a:t>
             </a:r>
+            <a:endParaRPr lang="zh-CN" altLang="zh-CN" noProof="0" smtClean="0"/>
           </a:p>
         </p:txBody>
       </p:sp>
@@ -621,18 +619,12 @@
           <a:p>
             <a:fld id="{D9AFD278-84AA-4CAA-9049-809825956FE0}" type="slidenum">
               <a:rPr lang="en-US" altLang="zh-CN"/>
-              <a:t>‹#›</a:t>
             </a:fld>
             <a:endParaRPr lang="zh-CN" altLang="zh-CN"/>
           </a:p>
         </p:txBody>
       </p:sp>
     </p:spTree>
-    <p:extLst>
-      <p:ext uri="{BB962C8B-B14F-4D97-AF65-F5344CB8AC3E}">
-        <p14:creationId xmlns:p14="http://schemas.microsoft.com/office/powerpoint/2010/main" val="2684289816"/>
-      </p:ext>
-    </p:extLst>
   </p:cSld>
   <p:clrMap bg1="lt1" tx1="dk1" bg2="lt2" tx2="dk2" accent1="accent1" accent2="accent2" accent3="accent3" accent4="accent4" accent5="accent5" accent6="accent6" hlink="hlink" folHlink="folHlink"/>
   <p:notesStyle>
@@ -1670,6 +1662,7 @@
               <a:rPr lang="zh-CN" altLang="en-US" dirty="0" smtClean="0"/>
               <a:t>单击此处编辑母版文本样式</a:t>
             </a:r>
+            <a:endParaRPr lang="zh-CN" altLang="en-US" dirty="0" smtClean="0"/>
           </a:p>
           <a:p>
             <a:pPr lvl="1"/>
@@ -1677,6 +1670,7 @@
               <a:rPr lang="zh-CN" altLang="en-US" dirty="0" smtClean="0"/>
               <a:t>第二级</a:t>
             </a:r>
+            <a:endParaRPr lang="zh-CN" altLang="en-US" dirty="0" smtClean="0"/>
           </a:p>
           <a:p>
             <a:pPr lvl="2"/>
@@ -1684,6 +1678,7 @@
               <a:rPr lang="zh-CN" altLang="en-US" dirty="0" smtClean="0"/>
               <a:t>第三级</a:t>
             </a:r>
+            <a:endParaRPr lang="zh-CN" altLang="en-US" dirty="0" smtClean="0"/>
           </a:p>
           <a:p>
             <a:pPr lvl="3"/>
@@ -1691,6 +1686,7 @@
               <a:rPr lang="zh-CN" altLang="en-US" dirty="0" smtClean="0"/>
               <a:t>第四级</a:t>
             </a:r>
+            <a:endParaRPr lang="zh-CN" altLang="en-US" dirty="0" smtClean="0"/>
           </a:p>
         </p:txBody>
       </p:sp>
@@ -1752,6 +1748,7 @@
               <a:rPr lang="zh-CN" altLang="en-US" dirty="0" smtClean="0"/>
               <a:t>单击此处编辑母版文本样式</a:t>
             </a:r>
+            <a:endParaRPr lang="zh-CN" altLang="en-US" dirty="0" smtClean="0"/>
           </a:p>
         </p:txBody>
       </p:sp>
@@ -1808,7 +1805,6 @@
           <a:p>
             <a:fld id="{2030C94F-1E7C-47E3-9C60-176A530B03BF}" type="slidenum">
               <a:rPr lang="en-US" altLang="zh-CN"/>
-              <a:t>‹#›</a:t>
             </a:fld>
             <a:endParaRPr lang="zh-CN" altLang="zh-CN" sz="3200" b="0"/>
           </a:p>
@@ -1899,6 +1895,7 @@
               <a:rPr lang="zh-CN" altLang="en-US" dirty="0" smtClean="0"/>
               <a:t>单击此处编辑母版文本样式</a:t>
             </a:r>
+            <a:endParaRPr lang="zh-CN" altLang="en-US" dirty="0" smtClean="0"/>
           </a:p>
           <a:p>
             <a:pPr lvl="1"/>
@@ -1906,6 +1903,7 @@
               <a:rPr lang="zh-CN" altLang="en-US" dirty="0" smtClean="0"/>
               <a:t>第二级</a:t>
             </a:r>
+            <a:endParaRPr lang="zh-CN" altLang="en-US" dirty="0" smtClean="0"/>
           </a:p>
           <a:p>
             <a:pPr lvl="2"/>
@@ -1913,6 +1911,7 @@
               <a:rPr lang="zh-CN" altLang="en-US" dirty="0" smtClean="0"/>
               <a:t>第三级</a:t>
             </a:r>
+            <a:endParaRPr lang="zh-CN" altLang="en-US" dirty="0" smtClean="0"/>
           </a:p>
           <a:p>
             <a:pPr lvl="3"/>
@@ -1920,6 +1919,7 @@
               <a:rPr lang="zh-CN" altLang="en-US" dirty="0" smtClean="0"/>
               <a:t>第四级</a:t>
             </a:r>
+            <a:endParaRPr lang="zh-CN" altLang="en-US" dirty="0" smtClean="0"/>
           </a:p>
         </p:txBody>
       </p:sp>
@@ -1977,6 +1977,7 @@
               <a:rPr lang="zh-CN" altLang="en-US" dirty="0" smtClean="0"/>
               <a:t>单击此处编辑母版文本样式</a:t>
             </a:r>
+            <a:endParaRPr lang="zh-CN" altLang="en-US" dirty="0" smtClean="0"/>
           </a:p>
         </p:txBody>
       </p:sp>
@@ -2058,6 +2059,7 @@
               <a:rPr lang="zh-CN" altLang="en-US" dirty="0" smtClean="0"/>
               <a:t>单击此处编辑母版文本样式</a:t>
             </a:r>
+            <a:endParaRPr lang="zh-CN" altLang="en-US" dirty="0" smtClean="0"/>
           </a:p>
           <a:p>
             <a:pPr lvl="1"/>
@@ -2065,6 +2067,7 @@
               <a:rPr lang="zh-CN" altLang="en-US" dirty="0" smtClean="0"/>
               <a:t>第二级</a:t>
             </a:r>
+            <a:endParaRPr lang="zh-CN" altLang="en-US" dirty="0" smtClean="0"/>
           </a:p>
           <a:p>
             <a:pPr lvl="2"/>
@@ -2072,6 +2075,7 @@
               <a:rPr lang="zh-CN" altLang="en-US" dirty="0" smtClean="0"/>
               <a:t>第三级</a:t>
             </a:r>
+            <a:endParaRPr lang="zh-CN" altLang="en-US" dirty="0" smtClean="0"/>
           </a:p>
           <a:p>
             <a:pPr lvl="3"/>
@@ -2079,6 +2083,7 @@
               <a:rPr lang="zh-CN" altLang="en-US" dirty="0" smtClean="0"/>
               <a:t>第四级</a:t>
             </a:r>
+            <a:endParaRPr lang="zh-CN" altLang="en-US" dirty="0" smtClean="0"/>
           </a:p>
         </p:txBody>
       </p:sp>
@@ -2136,6 +2141,7 @@
               <a:rPr lang="zh-CN" altLang="en-US" dirty="0" smtClean="0"/>
               <a:t>单击此处编辑母版文本样式</a:t>
             </a:r>
+            <a:endParaRPr lang="zh-CN" altLang="en-US" dirty="0" smtClean="0"/>
           </a:p>
         </p:txBody>
       </p:sp>
@@ -2217,6 +2223,7 @@
               <a:rPr lang="zh-CN" altLang="en-US" dirty="0" smtClean="0"/>
               <a:t>单击此处编辑母版文本样式</a:t>
             </a:r>
+            <a:endParaRPr lang="zh-CN" altLang="en-US" dirty="0" smtClean="0"/>
           </a:p>
           <a:p>
             <a:pPr lvl="1"/>
@@ -2224,6 +2231,7 @@
               <a:rPr lang="zh-CN" altLang="en-US" dirty="0" smtClean="0"/>
               <a:t>第二级</a:t>
             </a:r>
+            <a:endParaRPr lang="zh-CN" altLang="en-US" dirty="0" smtClean="0"/>
           </a:p>
           <a:p>
             <a:pPr lvl="2"/>
@@ -2231,6 +2239,7 @@
               <a:rPr lang="zh-CN" altLang="en-US" dirty="0" smtClean="0"/>
               <a:t>第三级</a:t>
             </a:r>
+            <a:endParaRPr lang="zh-CN" altLang="en-US" dirty="0" smtClean="0"/>
           </a:p>
           <a:p>
             <a:pPr lvl="3"/>
@@ -2238,6 +2247,7 @@
               <a:rPr lang="zh-CN" altLang="en-US" dirty="0" smtClean="0"/>
               <a:t>第四级</a:t>
             </a:r>
+            <a:endParaRPr lang="zh-CN" altLang="en-US" dirty="0" smtClean="0"/>
           </a:p>
         </p:txBody>
       </p:sp>
@@ -2295,6 +2305,7 @@
               <a:rPr lang="zh-CN" altLang="en-US" dirty="0" smtClean="0"/>
               <a:t>单击此处编辑母版文本样式</a:t>
             </a:r>
+            <a:endParaRPr lang="zh-CN" altLang="en-US" dirty="0" smtClean="0"/>
           </a:p>
         </p:txBody>
       </p:sp>
@@ -2376,6 +2387,7 @@
               <a:rPr lang="zh-CN" altLang="en-US" dirty="0" smtClean="0"/>
               <a:t>单击此处编辑母版文本样式</a:t>
             </a:r>
+            <a:endParaRPr lang="zh-CN" altLang="en-US" dirty="0" smtClean="0"/>
           </a:p>
           <a:p>
             <a:pPr lvl="1"/>
@@ -2383,6 +2395,7 @@
               <a:rPr lang="zh-CN" altLang="en-US" dirty="0" smtClean="0"/>
               <a:t>第二级</a:t>
             </a:r>
+            <a:endParaRPr lang="zh-CN" altLang="en-US" dirty="0" smtClean="0"/>
           </a:p>
           <a:p>
             <a:pPr lvl="2"/>
@@ -2390,6 +2403,7 @@
               <a:rPr lang="zh-CN" altLang="en-US" dirty="0" smtClean="0"/>
               <a:t>第三级</a:t>
             </a:r>
+            <a:endParaRPr lang="zh-CN" altLang="en-US" dirty="0" smtClean="0"/>
           </a:p>
           <a:p>
             <a:pPr lvl="3"/>
@@ -2397,6 +2411,7 @@
               <a:rPr lang="zh-CN" altLang="en-US" dirty="0" smtClean="0"/>
               <a:t>第四级</a:t>
             </a:r>
+            <a:endParaRPr lang="zh-CN" altLang="en-US" dirty="0" smtClean="0"/>
           </a:p>
         </p:txBody>
       </p:sp>
@@ -2454,6 +2469,7 @@
               <a:rPr lang="zh-CN" altLang="en-US" dirty="0" smtClean="0"/>
               <a:t>单击此处编辑母版文本样式</a:t>
             </a:r>
+            <a:endParaRPr lang="zh-CN" altLang="en-US" dirty="0" smtClean="0"/>
           </a:p>
         </p:txBody>
       </p:sp>
@@ -2535,6 +2551,7 @@
               <a:rPr lang="zh-CN" altLang="en-US" dirty="0" smtClean="0"/>
               <a:t>单击此处编辑母版文本样式</a:t>
             </a:r>
+            <a:endParaRPr lang="zh-CN" altLang="en-US" dirty="0" smtClean="0"/>
           </a:p>
           <a:p>
             <a:pPr lvl="1"/>
@@ -2542,6 +2559,7 @@
               <a:rPr lang="zh-CN" altLang="en-US" dirty="0" smtClean="0"/>
               <a:t>第二级</a:t>
             </a:r>
+            <a:endParaRPr lang="zh-CN" altLang="en-US" dirty="0" smtClean="0"/>
           </a:p>
           <a:p>
             <a:pPr lvl="2"/>
@@ -2549,6 +2567,7 @@
               <a:rPr lang="zh-CN" altLang="en-US" dirty="0" smtClean="0"/>
               <a:t>第三级</a:t>
             </a:r>
+            <a:endParaRPr lang="zh-CN" altLang="en-US" dirty="0" smtClean="0"/>
           </a:p>
           <a:p>
             <a:pPr lvl="3"/>
@@ -2556,6 +2575,7 @@
               <a:rPr lang="zh-CN" altLang="en-US" dirty="0" smtClean="0"/>
               <a:t>第四级</a:t>
             </a:r>
+            <a:endParaRPr lang="zh-CN" altLang="en-US" dirty="0" smtClean="0"/>
           </a:p>
         </p:txBody>
       </p:sp>
@@ -2613,6 +2633,7 @@
               <a:rPr lang="zh-CN" altLang="en-US" dirty="0" smtClean="0"/>
               <a:t>单击此处编辑母版文本样式</a:t>
             </a:r>
+            <a:endParaRPr lang="zh-CN" altLang="en-US" dirty="0" smtClean="0"/>
           </a:p>
         </p:txBody>
       </p:sp>
@@ -2694,6 +2715,7 @@
               <a:rPr lang="zh-CN" altLang="en-US" dirty="0" smtClean="0"/>
               <a:t>单击此处编辑母版文本样式</a:t>
             </a:r>
+            <a:endParaRPr lang="zh-CN" altLang="en-US" dirty="0" smtClean="0"/>
           </a:p>
           <a:p>
             <a:pPr lvl="1"/>
@@ -2701,6 +2723,7 @@
               <a:rPr lang="zh-CN" altLang="en-US" dirty="0" smtClean="0"/>
               <a:t>第二级</a:t>
             </a:r>
+            <a:endParaRPr lang="zh-CN" altLang="en-US" dirty="0" smtClean="0"/>
           </a:p>
           <a:p>
             <a:pPr lvl="2"/>
@@ -2708,6 +2731,7 @@
               <a:rPr lang="zh-CN" altLang="en-US" dirty="0" smtClean="0"/>
               <a:t>第三级</a:t>
             </a:r>
+            <a:endParaRPr lang="zh-CN" altLang="en-US" dirty="0" smtClean="0"/>
           </a:p>
           <a:p>
             <a:pPr lvl="3"/>
@@ -2715,6 +2739,7 @@
               <a:rPr lang="zh-CN" altLang="en-US" dirty="0" smtClean="0"/>
               <a:t>第四级</a:t>
             </a:r>
+            <a:endParaRPr lang="zh-CN" altLang="en-US" dirty="0" smtClean="0"/>
           </a:p>
         </p:txBody>
       </p:sp>
@@ -2772,6 +2797,7 @@
               <a:rPr lang="zh-CN" altLang="en-US" dirty="0" smtClean="0"/>
               <a:t>单击此处编辑母版文本样式</a:t>
             </a:r>
+            <a:endParaRPr lang="zh-CN" altLang="en-US" dirty="0" smtClean="0"/>
           </a:p>
         </p:txBody>
       </p:sp>
@@ -2865,6 +2891,7 @@
               <a:rPr lang="zh-CN" altLang="en-US" dirty="0" smtClean="0"/>
               <a:t>单击此处编辑母版文本样式</a:t>
             </a:r>
+            <a:endParaRPr lang="zh-CN" altLang="en-US" dirty="0" smtClean="0"/>
           </a:p>
           <a:p>
             <a:pPr lvl="1"/>
@@ -2872,6 +2899,7 @@
               <a:rPr lang="zh-CN" altLang="en-US" dirty="0" smtClean="0"/>
               <a:t>第二级</a:t>
             </a:r>
+            <a:endParaRPr lang="zh-CN" altLang="en-US" dirty="0" smtClean="0"/>
           </a:p>
           <a:p>
             <a:pPr lvl="2"/>
@@ -2879,6 +2907,7 @@
               <a:rPr lang="zh-CN" altLang="en-US" dirty="0" smtClean="0"/>
               <a:t>第三级</a:t>
             </a:r>
+            <a:endParaRPr lang="zh-CN" altLang="en-US" dirty="0" smtClean="0"/>
           </a:p>
           <a:p>
             <a:pPr lvl="3"/>
@@ -2886,6 +2915,7 @@
               <a:rPr lang="zh-CN" altLang="en-US" dirty="0" smtClean="0"/>
               <a:t>第四级</a:t>
             </a:r>
+            <a:endParaRPr lang="zh-CN" altLang="en-US" dirty="0" smtClean="0"/>
           </a:p>
         </p:txBody>
       </p:sp>
@@ -2947,6 +2977,7 @@
               <a:rPr lang="zh-CN" altLang="en-US" dirty="0" smtClean="0"/>
               <a:t>单击此处编辑母版文本样式</a:t>
             </a:r>
+            <a:endParaRPr lang="zh-CN" altLang="en-US" dirty="0" smtClean="0"/>
           </a:p>
         </p:txBody>
       </p:sp>
@@ -2971,7 +3002,7 @@
     <p:bg bwMode="auto">
       <p:bgPr>
         <a:blipFill dpi="0" rotWithShape="0">
-          <a:blip r:embed="rId11"/>
+          <a:blip r:embed="rId10"/>
           <a:srcRect/>
           <a:stretch>
             <a:fillRect/>
@@ -3030,7 +3061,6 @@
           <a:p>
             <a:fld id="{43A45880-9E2A-43E4-955C-AEB11E14255E}" type="slidenum">
               <a:rPr lang="en-US" altLang="zh-CN"/>
-              <a:t>‹#›</a:t>
             </a:fld>
             <a:endParaRPr lang="zh-CN" altLang="zh-CN"/>
           </a:p>
@@ -3045,7 +3075,7 @@
           <p:nvPr/>
         </p:nvPicPr>
         <p:blipFill>
-          <a:blip r:embed="rId12">
+          <a:blip r:embed="rId11">
             <a:extLst>
               <a:ext uri="{28A0092B-C50C-407E-A947-70E740481C1C}">
                 <a14:useLocalDpi xmlns:a14="http://schemas.microsoft.com/office/drawing/2010/main" val="0"/>
@@ -3099,7 +3129,7 @@
           <p:nvPr/>
         </p:nvPicPr>
         <p:blipFill>
-          <a:blip r:embed="rId13">
+          <a:blip r:embed="rId12">
             <a:extLst>
               <a:ext uri="{28A0092B-C50C-407E-A947-70E740481C1C}">
                 <a14:useLocalDpi xmlns:a14="http://schemas.microsoft.com/office/drawing/2010/main" val="0"/>
@@ -3612,7 +3642,7 @@
           <p:nvPr/>
         </p:nvPicPr>
         <p:blipFill>
-          <a:blip r:embed="rId2">
+          <a:blip r:embed="rId1">
             <a:extLst>
               <a:ext uri="{28A0092B-C50C-407E-A947-70E740481C1C}">
                 <a14:useLocalDpi xmlns:a14="http://schemas.microsoft.com/office/drawing/2010/main" val="0"/>
@@ -3900,7 +3930,7 @@
           <p:nvPr/>
         </p:nvPicPr>
         <p:blipFill>
-          <a:blip r:embed="rId3">
+          <a:blip r:embed="rId2">
             <a:extLst>
               <a:ext uri="{28A0092B-C50C-407E-A947-70E740481C1C}">
                 <a14:useLocalDpi xmlns:a14="http://schemas.microsoft.com/office/drawing/2010/main" val="0"/>
@@ -4169,15 +4199,6 @@
               </a:rPr>
               <a:t>正则表达式文本字符串</a:t>
             </a:r>
-            <a:r>
-              <a:rPr lang="en-US" altLang="zh-CN" sz="2000" dirty="0">
-                <a:solidFill>
-                  <a:schemeClr val="tx1"/>
-                </a:solidFill>
-                <a:sym typeface="+mn-ea"/>
-              </a:rPr>
-              <a:t/>
-            </a:r>
             <a:br>
               <a:rPr lang="en-US" altLang="zh-CN" sz="2000" dirty="0">
                 <a:solidFill>
@@ -4186,15 +4207,6 @@
                 <a:sym typeface="+mn-ea"/>
               </a:rPr>
             </a:br>
-            <a:r>
-              <a:rPr lang="zh-CN" altLang="en-US" sz="3200" dirty="0">
-                <a:solidFill>
-                  <a:schemeClr val="tx1"/>
-                </a:solidFill>
-                <a:sym typeface="+mn-ea"/>
-              </a:rPr>
-              <a:t/>
-            </a:r>
             <a:br>
               <a:rPr lang="zh-CN" altLang="en-US" sz="3200" dirty="0">
                 <a:solidFill>
@@ -4203,15 +4215,6 @@
                 <a:sym typeface="+mn-ea"/>
               </a:rPr>
             </a:br>
-            <a:r>
-              <a:rPr lang="zh-CN" altLang="en-US" sz="3200" dirty="0">
-                <a:solidFill>
-                  <a:schemeClr val="tx1"/>
-                </a:solidFill>
-                <a:sym typeface="+mn-ea"/>
-              </a:rPr>
-              <a:t/>
-            </a:r>
             <a:br>
               <a:rPr lang="zh-CN" altLang="en-US" sz="3200" dirty="0">
                 <a:solidFill>
@@ -4220,15 +4223,6 @@
                 <a:sym typeface="+mn-ea"/>
               </a:rPr>
             </a:br>
-            <a:r>
-              <a:rPr lang="en-US" altLang="zh-CN" sz="3200" dirty="0">
-                <a:solidFill>
-                  <a:schemeClr val="tx1"/>
-                </a:solidFill>
-                <a:sym typeface="+mn-ea"/>
-              </a:rPr>
-              <a:t/>
-            </a:r>
             <a:br>
               <a:rPr lang="en-US" altLang="zh-CN" sz="3200" dirty="0">
                 <a:solidFill>
@@ -4237,15 +4231,6 @@
                 <a:sym typeface="+mn-ea"/>
               </a:rPr>
             </a:br>
-            <a:r>
-              <a:rPr lang="zh-CN" altLang="en-US" sz="3200" dirty="0">
-                <a:solidFill>
-                  <a:schemeClr val="tx1"/>
-                </a:solidFill>
-                <a:sym typeface="+mn-ea"/>
-              </a:rPr>
-              <a:t/>
-            </a:r>
             <a:br>
               <a:rPr lang="zh-CN" altLang="en-US" sz="3200" dirty="0">
                 <a:solidFill>
@@ -4365,7 +4350,7 @@
           <p:nvPr/>
         </p:nvPicPr>
         <p:blipFill>
-          <a:blip r:embed="rId3"/>
+          <a:blip r:embed="rId1"/>
           <a:stretch>
             <a:fillRect/>
           </a:stretch>
@@ -4775,6 +4760,12 @@
               </a:rPr>
               <a:t>）</a:t>
             </a:r>
+            <a:endParaRPr lang="zh-CN" altLang="en-US" sz="3200" dirty="0">
+              <a:solidFill>
+                <a:schemeClr val="tx1"/>
+              </a:solidFill>
+              <a:sym typeface="+mn-ea"/>
+            </a:endParaRPr>
           </a:p>
           <a:p>
             <a:pPr>
@@ -4853,15 +4844,6 @@
               </a:rPr>
               <a:t>），可获得详细信息</a:t>
             </a:r>
-            <a:r>
-              <a:rPr lang="en-US" altLang="zh-CN" sz="2000" dirty="0">
-                <a:solidFill>
-                  <a:schemeClr val="tx1"/>
-                </a:solidFill>
-                <a:sym typeface="+mn-ea"/>
-              </a:rPr>
-              <a:t/>
-            </a:r>
             <a:br>
               <a:rPr lang="en-US" altLang="zh-CN" sz="2000" dirty="0">
                 <a:solidFill>
@@ -4870,15 +4852,6 @@
                 <a:sym typeface="+mn-ea"/>
               </a:rPr>
             </a:br>
-            <a:r>
-              <a:rPr lang="zh-CN" altLang="en-US" sz="3200" dirty="0">
-                <a:solidFill>
-                  <a:schemeClr val="tx1"/>
-                </a:solidFill>
-                <a:sym typeface="+mn-ea"/>
-              </a:rPr>
-              <a:t/>
-            </a:r>
             <a:br>
               <a:rPr lang="zh-CN" altLang="en-US" sz="3200" dirty="0">
                 <a:solidFill>
@@ -4887,15 +4860,6 @@
                 <a:sym typeface="+mn-ea"/>
               </a:rPr>
             </a:br>
-            <a:r>
-              <a:rPr lang="zh-CN" altLang="en-US" sz="3200" dirty="0">
-                <a:solidFill>
-                  <a:schemeClr val="tx1"/>
-                </a:solidFill>
-                <a:sym typeface="+mn-ea"/>
-              </a:rPr>
-              <a:t/>
-            </a:r>
             <a:br>
               <a:rPr lang="zh-CN" altLang="en-US" sz="3200" dirty="0">
                 <a:solidFill>
@@ -4904,15 +4868,6 @@
                 <a:sym typeface="+mn-ea"/>
               </a:rPr>
             </a:br>
-            <a:r>
-              <a:rPr lang="en-US" altLang="zh-CN" sz="3200" dirty="0">
-                <a:solidFill>
-                  <a:schemeClr val="tx1"/>
-                </a:solidFill>
-                <a:sym typeface="+mn-ea"/>
-              </a:rPr>
-              <a:t/>
-            </a:r>
             <a:br>
               <a:rPr lang="en-US" altLang="zh-CN" sz="3200" dirty="0">
                 <a:solidFill>
@@ -4921,15 +4876,6 @@
                 <a:sym typeface="+mn-ea"/>
               </a:rPr>
             </a:br>
-            <a:r>
-              <a:rPr lang="zh-CN" altLang="en-US" sz="3200" dirty="0">
-                <a:solidFill>
-                  <a:schemeClr val="tx1"/>
-                </a:solidFill>
-                <a:sym typeface="+mn-ea"/>
-              </a:rPr>
-              <a:t/>
-            </a:r>
             <a:br>
               <a:rPr lang="zh-CN" altLang="en-US" sz="3200" dirty="0">
                 <a:solidFill>
@@ -5049,7 +4995,7 @@
           <p:nvPr/>
         </p:nvPicPr>
         <p:blipFill>
-          <a:blip r:embed="rId3"/>
+          <a:blip r:embed="rId1"/>
           <a:stretch>
             <a:fillRect/>
           </a:stretch>
@@ -5073,7 +5019,7 @@
           <p:nvPr/>
         </p:nvPicPr>
         <p:blipFill>
-          <a:blip r:embed="rId4"/>
+          <a:blip r:embed="rId2"/>
           <a:stretch>
             <a:fillRect/>
           </a:stretch>
@@ -5650,6 +5596,12 @@
               </a:rPr>
               <a:t>）</a:t>
             </a:r>
+            <a:endParaRPr lang="zh-CN" altLang="en-US" sz="3200" dirty="0">
+              <a:solidFill>
+                <a:schemeClr val="tx1"/>
+              </a:solidFill>
+              <a:sym typeface="+mn-ea"/>
+            </a:endParaRPr>
           </a:p>
           <a:p>
             <a:pPr>
@@ -5710,15 +5662,6 @@
               </a:rPr>
               <a:t>）</a:t>
             </a:r>
-            <a:r>
-              <a:rPr lang="en-US" altLang="zh-CN" sz="2000" dirty="0">
-                <a:solidFill>
-                  <a:schemeClr val="tx1"/>
-                </a:solidFill>
-                <a:sym typeface="+mn-ea"/>
-              </a:rPr>
-              <a:t/>
-            </a:r>
             <a:br>
               <a:rPr lang="en-US" altLang="zh-CN" sz="2000" dirty="0">
                 <a:solidFill>
@@ -5727,15 +5670,6 @@
                 <a:sym typeface="+mn-ea"/>
               </a:rPr>
             </a:br>
-            <a:r>
-              <a:rPr lang="zh-CN" altLang="en-US" sz="3200" dirty="0">
-                <a:solidFill>
-                  <a:schemeClr val="tx1"/>
-                </a:solidFill>
-                <a:sym typeface="+mn-ea"/>
-              </a:rPr>
-              <a:t/>
-            </a:r>
             <a:br>
               <a:rPr lang="zh-CN" altLang="en-US" sz="3200" dirty="0">
                 <a:solidFill>
@@ -5744,15 +5678,6 @@
                 <a:sym typeface="+mn-ea"/>
               </a:rPr>
             </a:br>
-            <a:r>
-              <a:rPr lang="zh-CN" altLang="en-US" sz="3200" dirty="0">
-                <a:solidFill>
-                  <a:schemeClr val="tx1"/>
-                </a:solidFill>
-                <a:sym typeface="+mn-ea"/>
-              </a:rPr>
-              <a:t/>
-            </a:r>
             <a:br>
               <a:rPr lang="zh-CN" altLang="en-US" sz="3200" dirty="0">
                 <a:solidFill>
@@ -5761,15 +5686,6 @@
                 <a:sym typeface="+mn-ea"/>
               </a:rPr>
             </a:br>
-            <a:r>
-              <a:rPr lang="en-US" altLang="zh-CN" sz="3200" dirty="0">
-                <a:solidFill>
-                  <a:schemeClr val="tx1"/>
-                </a:solidFill>
-                <a:sym typeface="+mn-ea"/>
-              </a:rPr>
-              <a:t/>
-            </a:r>
             <a:br>
               <a:rPr lang="en-US" altLang="zh-CN" sz="3200" dirty="0">
                 <a:solidFill>
@@ -5778,15 +5694,6 @@
                 <a:sym typeface="+mn-ea"/>
               </a:rPr>
             </a:br>
-            <a:r>
-              <a:rPr lang="zh-CN" altLang="en-US" sz="3200" dirty="0">
-                <a:solidFill>
-                  <a:schemeClr val="tx1"/>
-                </a:solidFill>
-                <a:sym typeface="+mn-ea"/>
-              </a:rPr>
-              <a:t/>
-            </a:r>
             <a:br>
               <a:rPr lang="zh-CN" altLang="en-US" sz="3200" dirty="0">
                 <a:solidFill>
@@ -5915,7 +5822,7 @@
           <p:nvPr/>
         </p:nvPicPr>
         <p:blipFill>
-          <a:blip r:embed="rId3"/>
+          <a:blip r:embed="rId1"/>
           <a:stretch>
             <a:fillRect/>
           </a:stretch>
@@ -5939,7 +5846,7 @@
           <p:nvPr/>
         </p:nvPicPr>
         <p:blipFill>
-          <a:blip r:embed="rId4"/>
+          <a:blip r:embed="rId2"/>
           <a:stretch>
             <a:fillRect/>
           </a:stretch>
@@ -6516,6 +6423,12 @@
               </a:rPr>
               <a:t>）</a:t>
             </a:r>
+            <a:endParaRPr lang="zh-CN" altLang="en-US" sz="3200" dirty="0">
+              <a:solidFill>
+                <a:schemeClr val="tx1"/>
+              </a:solidFill>
+              <a:sym typeface="+mn-ea"/>
+            </a:endParaRPr>
           </a:p>
           <a:p>
             <a:pPr>
@@ -6576,15 +6489,6 @@
               </a:rPr>
               <a:t>）</a:t>
             </a:r>
-            <a:r>
-              <a:rPr lang="en-US" altLang="zh-CN" sz="2000" dirty="0">
-                <a:solidFill>
-                  <a:schemeClr val="tx1"/>
-                </a:solidFill>
-                <a:sym typeface="+mn-ea"/>
-              </a:rPr>
-              <a:t/>
-            </a:r>
             <a:br>
               <a:rPr lang="en-US" altLang="zh-CN" sz="2000" dirty="0">
                 <a:solidFill>
@@ -6593,15 +6497,6 @@
                 <a:sym typeface="+mn-ea"/>
               </a:rPr>
             </a:br>
-            <a:r>
-              <a:rPr lang="zh-CN" altLang="en-US" sz="3200" dirty="0">
-                <a:solidFill>
-                  <a:schemeClr val="tx1"/>
-                </a:solidFill>
-                <a:sym typeface="+mn-ea"/>
-              </a:rPr>
-              <a:t/>
-            </a:r>
             <a:br>
               <a:rPr lang="zh-CN" altLang="en-US" sz="3200" dirty="0">
                 <a:solidFill>
@@ -6610,15 +6505,6 @@
                 <a:sym typeface="+mn-ea"/>
               </a:rPr>
             </a:br>
-            <a:r>
-              <a:rPr lang="zh-CN" altLang="en-US" sz="3200" dirty="0">
-                <a:solidFill>
-                  <a:schemeClr val="tx1"/>
-                </a:solidFill>
-                <a:sym typeface="+mn-ea"/>
-              </a:rPr>
-              <a:t/>
-            </a:r>
             <a:br>
               <a:rPr lang="zh-CN" altLang="en-US" sz="3200" dirty="0">
                 <a:solidFill>
@@ -6627,15 +6513,6 @@
                 <a:sym typeface="+mn-ea"/>
               </a:rPr>
             </a:br>
-            <a:r>
-              <a:rPr lang="en-US" altLang="zh-CN" sz="3200" dirty="0">
-                <a:solidFill>
-                  <a:schemeClr val="tx1"/>
-                </a:solidFill>
-                <a:sym typeface="+mn-ea"/>
-              </a:rPr>
-              <a:t/>
-            </a:r>
             <a:br>
               <a:rPr lang="en-US" altLang="zh-CN" sz="3200" dirty="0">
                 <a:solidFill>
@@ -6644,15 +6521,6 @@
                 <a:sym typeface="+mn-ea"/>
               </a:rPr>
             </a:br>
-            <a:r>
-              <a:rPr lang="zh-CN" altLang="en-US" sz="3200" dirty="0">
-                <a:solidFill>
-                  <a:schemeClr val="tx1"/>
-                </a:solidFill>
-                <a:sym typeface="+mn-ea"/>
-              </a:rPr>
-              <a:t/>
-            </a:r>
             <a:br>
               <a:rPr lang="zh-CN" altLang="en-US" sz="3200" dirty="0">
                 <a:solidFill>
@@ -6781,7 +6649,7 @@
           <p:nvPr/>
         </p:nvPicPr>
         <p:blipFill>
-          <a:blip r:embed="rId3"/>
+          <a:blip r:embed="rId1"/>
           <a:stretch>
             <a:fillRect/>
           </a:stretch>
@@ -6805,7 +6673,7 @@
           <p:nvPr/>
         </p:nvPicPr>
         <p:blipFill>
-          <a:blip r:embed="rId4"/>
+          <a:blip r:embed="rId2"/>
           <a:stretch>
             <a:fillRect/>
           </a:stretch>
@@ -7501,6 +7369,12 @@
               </a:rPr>
               <a:t>正则表达式简介及正则对象</a:t>
             </a:r>
+            <a:endParaRPr lang="zh-CN" altLang="en-US" sz="2800" b="1">
+              <a:solidFill>
+                <a:schemeClr val="tx1"/>
+              </a:solidFill>
+              <a:sym typeface="+mn-ea"/>
+            </a:endParaRPr>
           </a:p>
           <a:p>
             <a:pPr algn="l">
@@ -7555,6 +7429,12 @@
               </a:rPr>
               <a:t>相关的正则方法</a:t>
             </a:r>
+            <a:endParaRPr lang="zh-CN" altLang="en-US" sz="2800" b="1">
+              <a:solidFill>
+                <a:schemeClr val="tx1"/>
+              </a:solidFill>
+              <a:sym typeface="+mn-ea"/>
+            </a:endParaRPr>
           </a:p>
           <a:p>
             <a:pPr algn="l">
@@ -7582,6 +7462,12 @@
               </a:rPr>
               <a:t>正则表达式应用案例</a:t>
             </a:r>
+            <a:endParaRPr lang="zh-CN" altLang="en-US" sz="2800" b="1">
+              <a:solidFill>
+                <a:srgbClr val="FF0000"/>
+              </a:solidFill>
+              <a:sym typeface="+mn-ea"/>
+            </a:endParaRPr>
           </a:p>
         </p:txBody>
       </p:sp>
@@ -8049,6 +7935,12 @@
               </a:rPr>
               <a:t>/^[A-Za-z0-9_()（）\-\u4e00-\u9fa5]+$/ （公司名称）</a:t>
             </a:r>
+            <a:endParaRPr lang="zh-CN" altLang="en-US" sz="2000" dirty="0">
+              <a:solidFill>
+                <a:schemeClr val="tx1"/>
+              </a:solidFill>
+              <a:sym typeface="+mn-ea"/>
+            </a:endParaRPr>
           </a:p>
           <a:p>
             <a:pPr>
@@ -8065,15 +7957,6 @@
               </a:rPr>
               <a:t>集成开发环境中的应用</a:t>
             </a:r>
-            <a:r>
-              <a:rPr lang="en-US" altLang="zh-CN" sz="2000" dirty="0">
-                <a:solidFill>
-                  <a:schemeClr val="tx1"/>
-                </a:solidFill>
-                <a:sym typeface="+mn-ea"/>
-              </a:rPr>
-              <a:t/>
-            </a:r>
             <a:br>
               <a:rPr lang="en-US" altLang="zh-CN" sz="2000" dirty="0">
                 <a:solidFill>
@@ -8082,15 +7965,6 @@
                 <a:sym typeface="+mn-ea"/>
               </a:rPr>
             </a:br>
-            <a:r>
-              <a:rPr lang="zh-CN" altLang="en-US" sz="3200" dirty="0">
-                <a:solidFill>
-                  <a:schemeClr val="tx1"/>
-                </a:solidFill>
-                <a:sym typeface="+mn-ea"/>
-              </a:rPr>
-              <a:t/>
-            </a:r>
             <a:br>
               <a:rPr lang="zh-CN" altLang="en-US" sz="3200" dirty="0">
                 <a:solidFill>
@@ -8099,15 +7973,6 @@
                 <a:sym typeface="+mn-ea"/>
               </a:rPr>
             </a:br>
-            <a:r>
-              <a:rPr lang="zh-CN" altLang="en-US" sz="3200" dirty="0">
-                <a:solidFill>
-                  <a:schemeClr val="tx1"/>
-                </a:solidFill>
-                <a:sym typeface="+mn-ea"/>
-              </a:rPr>
-              <a:t/>
-            </a:r>
             <a:br>
               <a:rPr lang="zh-CN" altLang="en-US" sz="3200" dirty="0">
                 <a:solidFill>
@@ -8116,15 +7981,6 @@
                 <a:sym typeface="+mn-ea"/>
               </a:rPr>
             </a:br>
-            <a:r>
-              <a:rPr lang="en-US" altLang="zh-CN" sz="3200" dirty="0">
-                <a:solidFill>
-                  <a:schemeClr val="tx1"/>
-                </a:solidFill>
-                <a:sym typeface="+mn-ea"/>
-              </a:rPr>
-              <a:t/>
-            </a:r>
             <a:br>
               <a:rPr lang="en-US" altLang="zh-CN" sz="3200" dirty="0">
                 <a:solidFill>
@@ -8133,15 +7989,6 @@
                 <a:sym typeface="+mn-ea"/>
               </a:rPr>
             </a:br>
-            <a:r>
-              <a:rPr lang="zh-CN" altLang="en-US" sz="3200" dirty="0">
-                <a:solidFill>
-                  <a:schemeClr val="tx1"/>
-                </a:solidFill>
-                <a:sym typeface="+mn-ea"/>
-              </a:rPr>
-              <a:t/>
-            </a:r>
             <a:br>
               <a:rPr lang="zh-CN" altLang="en-US" sz="3200" dirty="0">
                 <a:solidFill>
@@ -8228,6 +8075,11 @@
               </a:rPr>
               <a:t>参考链接：</a:t>
             </a:r>
+            <a:endParaRPr lang="zh-CN" sz="2000">
+              <a:solidFill>
+                <a:srgbClr val="FF0000"/>
+              </a:solidFill>
+            </a:endParaRPr>
           </a:p>
           <a:p>
             <a:r>
@@ -8238,6 +8090,11 @@
               </a:rPr>
               <a:t>http://www1.qdfuns.com/tools.php?mod=regex</a:t>
             </a:r>
+            <a:endParaRPr sz="2000">
+              <a:solidFill>
+                <a:srgbClr val="FF0000"/>
+              </a:solidFill>
+            </a:endParaRPr>
           </a:p>
         </p:txBody>
       </p:sp>
@@ -8742,7 +8599,7 @@
           <p:nvPr/>
         </p:nvPicPr>
         <p:blipFill>
-          <a:blip r:embed="rId2">
+          <a:blip r:embed="rId1">
             <a:extLst>
               <a:ext uri="{28A0092B-C50C-407E-A947-70E740481C1C}">
                 <a14:useLocalDpi xmlns:a14="http://schemas.microsoft.com/office/drawing/2010/main" val="0"/>
@@ -8860,7 +8717,7 @@
           <p:nvPr/>
         </p:nvPicPr>
         <p:blipFill>
-          <a:blip r:embed="rId3">
+          <a:blip r:embed="rId2">
             <a:extLst>
               <a:ext uri="{28A0092B-C50C-407E-A947-70E740481C1C}">
                 <a14:useLocalDpi xmlns:a14="http://schemas.microsoft.com/office/drawing/2010/main" val="0"/>
@@ -9007,6 +8864,12 @@
               </a:rPr>
               <a:t>章 正则表达式</a:t>
             </a:r>
+            <a:endParaRPr lang="zh-CN" altLang="en-US" sz="3200" dirty="0">
+              <a:solidFill>
+                <a:schemeClr val="tx1"/>
+              </a:solidFill>
+              <a:sym typeface="+mn-ea"/>
+            </a:endParaRPr>
           </a:p>
           <a:p>
             <a:pPr marL="0" indent="0">
@@ -9015,15 +8878,6 @@
               </a:lnSpc>
               <a:buNone/>
             </a:pPr>
-            <a:r>
-              <a:rPr lang="en-US" altLang="zh-CN" sz="2000" dirty="0">
-                <a:solidFill>
-                  <a:schemeClr val="tx1"/>
-                </a:solidFill>
-                <a:sym typeface="+mn-ea"/>
-              </a:rPr>
-              <a:t/>
-            </a:r>
             <a:br>
               <a:rPr lang="en-US" altLang="zh-CN" sz="2000" dirty="0">
                 <a:solidFill>
@@ -9032,15 +8886,6 @@
                 <a:sym typeface="+mn-ea"/>
               </a:rPr>
             </a:br>
-            <a:r>
-              <a:rPr lang="zh-CN" altLang="en-US" sz="3200" dirty="0">
-                <a:solidFill>
-                  <a:schemeClr val="tx1"/>
-                </a:solidFill>
-                <a:sym typeface="+mn-ea"/>
-              </a:rPr>
-              <a:t/>
-            </a:r>
             <a:br>
               <a:rPr lang="zh-CN" altLang="en-US" sz="3200" dirty="0">
                 <a:solidFill>
@@ -9049,15 +8894,6 @@
                 <a:sym typeface="+mn-ea"/>
               </a:rPr>
             </a:br>
-            <a:r>
-              <a:rPr lang="zh-CN" altLang="en-US" sz="3200" dirty="0">
-                <a:solidFill>
-                  <a:schemeClr val="tx1"/>
-                </a:solidFill>
-                <a:sym typeface="+mn-ea"/>
-              </a:rPr>
-              <a:t/>
-            </a:r>
             <a:br>
               <a:rPr lang="zh-CN" altLang="en-US" sz="3200" dirty="0">
                 <a:solidFill>
@@ -9066,15 +8902,6 @@
                 <a:sym typeface="+mn-ea"/>
               </a:rPr>
             </a:br>
-            <a:r>
-              <a:rPr lang="en-US" altLang="zh-CN" sz="3200" dirty="0">
-                <a:solidFill>
-                  <a:schemeClr val="tx1"/>
-                </a:solidFill>
-                <a:sym typeface="+mn-ea"/>
-              </a:rPr>
-              <a:t/>
-            </a:r>
             <a:br>
               <a:rPr lang="en-US" altLang="zh-CN" sz="3200" dirty="0">
                 <a:solidFill>
@@ -9083,15 +8910,6 @@
                 <a:sym typeface="+mn-ea"/>
               </a:rPr>
             </a:br>
-            <a:r>
-              <a:rPr lang="zh-CN" altLang="en-US" sz="3200" dirty="0">
-                <a:solidFill>
-                  <a:schemeClr val="tx1"/>
-                </a:solidFill>
-                <a:sym typeface="+mn-ea"/>
-              </a:rPr>
-              <a:t/>
-            </a:r>
             <a:br>
               <a:rPr lang="zh-CN" altLang="en-US" sz="3200" dirty="0">
                 <a:solidFill>
@@ -9142,6 +8960,7 @@
               <a:rPr lang="zh-CN" altLang="en-US" dirty="0"/>
               <a:t>作业</a:t>
             </a:r>
+            <a:endParaRPr lang="zh-CN" altLang="en-US" dirty="0"/>
           </a:p>
         </p:txBody>
       </p:sp>
@@ -9348,6 +9167,12 @@
               </a:rPr>
               <a:t>正则表达式简介及正则对象</a:t>
             </a:r>
+            <a:endParaRPr lang="zh-CN" altLang="en-US" sz="2800" b="1">
+              <a:solidFill>
+                <a:srgbClr val="FF0000"/>
+              </a:solidFill>
+              <a:sym typeface="+mn-ea"/>
+            </a:endParaRPr>
           </a:p>
           <a:p>
             <a:pPr algn="l">
@@ -9716,15 +9541,6 @@
               </a:rPr>
               <a:t>什么是正则表达式</a:t>
             </a:r>
-            <a:r>
-              <a:rPr lang="zh-CN" altLang="en-US" sz="1800" dirty="0">
-                <a:solidFill>
-                  <a:schemeClr val="tx1"/>
-                </a:solidFill>
-                <a:sym typeface="+mn-ea"/>
-              </a:rPr>
-              <a:t/>
-            </a:r>
             <a:br>
               <a:rPr lang="zh-CN" altLang="en-US" sz="1800" dirty="0">
                 <a:solidFill>
@@ -9919,15 +9735,6 @@
                 <a:sym typeface="+mn-ea"/>
               </a:rPr>
               <a:t>来生成</a:t>
-            </a:r>
-            <a:r>
-              <a:rPr lang="zh-CN" altLang="en-US" sz="3200" dirty="0">
-                <a:solidFill>
-                  <a:schemeClr val="tx1"/>
-                </a:solidFill>
-                <a:sym typeface="+mn-ea"/>
-              </a:rPr>
-              <a:t/>
             </a:r>
             <a:br>
               <a:rPr lang="zh-CN" altLang="en-US" sz="3200" dirty="0">
@@ -10023,7 +9830,7 @@
           <p:nvPr/>
         </p:nvPicPr>
         <p:blipFill>
-          <a:blip r:embed="rId3"/>
+          <a:blip r:embed="rId1"/>
           <a:stretch>
             <a:fillRect/>
           </a:stretch>
@@ -10100,6 +9907,11 @@
               </a:rPr>
               <a:t>正则表达式对象的两种方式</a:t>
             </a:r>
+            <a:endParaRPr lang="zh-CN" altLang="en-US" sz="2000">
+              <a:solidFill>
+                <a:srgbClr val="FF0000"/>
+              </a:solidFill>
+            </a:endParaRPr>
           </a:p>
         </p:txBody>
       </p:sp>
@@ -10534,15 +10346,6 @@
               </a:rPr>
               <a:t>）</a:t>
             </a:r>
-            <a:r>
-              <a:rPr lang="en-US" altLang="zh-CN" sz="3200" dirty="0">
-                <a:solidFill>
-                  <a:schemeClr val="tx1"/>
-                </a:solidFill>
-                <a:sym typeface="+mn-ea"/>
-              </a:rPr>
-              <a:t/>
-            </a:r>
             <a:br>
               <a:rPr lang="en-US" altLang="zh-CN" sz="3200" dirty="0">
                 <a:solidFill>
@@ -10656,7 +10459,7 @@
           <p:nvPr/>
         </p:nvPicPr>
         <p:blipFill>
-          <a:blip r:embed="rId3"/>
+          <a:blip r:embed="rId1"/>
           <a:stretch>
             <a:fillRect/>
           </a:stretch>
@@ -10717,6 +10520,11 @@
               </a:rPr>
               <a:t>正则的语法和修饰符 正则测试方法</a:t>
             </a:r>
+            <a:endParaRPr lang="zh-CN" altLang="en-US" sz="2000">
+              <a:solidFill>
+                <a:srgbClr val="FF0000"/>
+              </a:solidFill>
+            </a:endParaRPr>
           </a:p>
         </p:txBody>
       </p:sp>
@@ -10729,7 +10537,7 @@
           <p:nvPr/>
         </p:nvPicPr>
         <p:blipFill>
-          <a:blip r:embed="rId4"/>
+          <a:blip r:embed="rId2"/>
           <a:stretch>
             <a:fillRect/>
           </a:stretch>
@@ -10752,8 +10560,8 @@
         </p:nvSpPr>
         <p:spPr>
           <a:xfrm>
-            <a:off x="5999480" y="2623185"/>
-            <a:ext cx="5490845" cy="398780"/>
+            <a:off x="5999480" y="2551430"/>
+            <a:ext cx="5490845" cy="706755"/>
           </a:xfrm>
           <a:prstGeom prst="rect">
             <a:avLst/>
@@ -10792,6 +10600,23 @@
                 <a:sym typeface="+mn-ea"/>
               </a:rPr>
               <a:t>https://regexper.com/</a:t>
+            </a:r>
+            <a:endParaRPr sz="2000">
+              <a:solidFill>
+                <a:srgbClr val="FF0000"/>
+              </a:solidFill>
+              <a:sym typeface="+mn-ea"/>
+            </a:endParaRPr>
+          </a:p>
+          <a:p>
+            <a:r>
+              <a:rPr lang="en-US" altLang="zh-CN" sz="2000">
+                <a:solidFill>
+                  <a:srgbClr val="FF0000"/>
+                </a:solidFill>
+                <a:sym typeface="+mn-ea"/>
+              </a:rPr>
+              <a:t>https://regex101.com/ </a:t>
             </a:r>
             <a:endParaRPr lang="en-US" altLang="zh-CN" sz="2000">
               <a:solidFill>
@@ -10811,7 +10636,7 @@
           <p:nvPr/>
         </p:nvPicPr>
         <p:blipFill>
-          <a:blip r:embed="rId5"/>
+          <a:blip r:embed="rId3"/>
           <a:stretch>
             <a:fillRect/>
           </a:stretch>
@@ -10856,6 +10681,11 @@
               </a:rPr>
               <a:t>方式一 字符串方法</a:t>
             </a:r>
+            <a:endParaRPr lang="zh-CN" sz="2000">
+              <a:solidFill>
+                <a:srgbClr val="FF0000"/>
+              </a:solidFill>
+            </a:endParaRPr>
           </a:p>
         </p:txBody>
       </p:sp>
@@ -10889,6 +10719,11 @@
               </a:rPr>
               <a:t>方式二 正则对象方法</a:t>
             </a:r>
+            <a:endParaRPr lang="zh-CN" sz="2000">
+              <a:solidFill>
+                <a:srgbClr val="FF0000"/>
+              </a:solidFill>
+            </a:endParaRPr>
           </a:p>
         </p:txBody>
       </p:sp>
@@ -11794,15 +11629,6 @@
               </a:rPr>
               <a:t>相关字符</a:t>
             </a:r>
-            <a:r>
-              <a:rPr lang="en-US" altLang="zh-CN" sz="3200" dirty="0">
-                <a:solidFill>
-                  <a:schemeClr val="tx1"/>
-                </a:solidFill>
-                <a:sym typeface="+mn-ea"/>
-              </a:rPr>
-              <a:t/>
-            </a:r>
             <a:br>
               <a:rPr lang="en-US" altLang="zh-CN" sz="3200" dirty="0">
                 <a:solidFill>
@@ -11847,15 +11673,6 @@
               </a:rPr>
               <a:t>等</a:t>
             </a:r>
-            <a:r>
-              <a:rPr lang="en-US" sz="2000" dirty="0">
-                <a:solidFill>
-                  <a:schemeClr val="tx1"/>
-                </a:solidFill>
-                <a:sym typeface="+mn-ea"/>
-              </a:rPr>
-              <a:t/>
-            </a:r>
             <a:br>
               <a:rPr lang="en-US" sz="2000" dirty="0">
                 <a:solidFill>
@@ -12186,15 +12003,6 @@
                 <a:sym typeface="+mn-ea"/>
               </a:rPr>
               <a:t>（注意大小写的含义）</a:t>
-            </a:r>
-            <a:r>
-              <a:rPr lang="zh-CN" altLang="en-US" sz="3200" dirty="0">
-                <a:solidFill>
-                  <a:schemeClr val="tx1"/>
-                </a:solidFill>
-                <a:sym typeface="+mn-ea"/>
-              </a:rPr>
-              <a:t/>
             </a:r>
             <a:br>
               <a:rPr lang="zh-CN" altLang="en-US" sz="3200" dirty="0">
@@ -12261,7 +12069,7 @@
           <p:nvPr/>
         </p:nvPicPr>
         <p:blipFill>
-          <a:blip r:embed="rId3"/>
+          <a:blip r:embed="rId1"/>
           <a:stretch>
             <a:fillRect/>
           </a:stretch>
@@ -12306,6 +12114,11 @@
               </a:rPr>
               <a:t>https://developer.mozilla.org/zh-CN/docs/Web/JavaScript/Guide/Regular_Expressions#note</a:t>
             </a:r>
+            <a:endParaRPr sz="2000">
+              <a:solidFill>
+                <a:schemeClr val="tx1"/>
+              </a:solidFill>
+            </a:endParaRPr>
           </a:p>
         </p:txBody>
       </p:sp>
@@ -12355,6 +12168,11 @@
               </a:rPr>
               <a:t>特殊字符实例</a:t>
             </a:r>
+            <a:endParaRPr lang="zh-CN" altLang="en-US" sz="2000">
+              <a:solidFill>
+                <a:srgbClr val="FF0000"/>
+              </a:solidFill>
+            </a:endParaRPr>
           </a:p>
         </p:txBody>
       </p:sp>
@@ -13111,6 +12929,12 @@
               </a:rPr>
               <a:t>的区别和含义）</a:t>
             </a:r>
+            <a:endParaRPr lang="zh-CN" altLang="en-US" sz="2000" dirty="0">
+              <a:solidFill>
+                <a:schemeClr val="accent3"/>
+              </a:solidFill>
+              <a:sym typeface="+mn-ea"/>
+            </a:endParaRPr>
           </a:p>
           <a:p>
             <a:pPr>
@@ -13127,15 +12951,6 @@
               </a:rPr>
               <a:t>正则表达式特殊字符 二 （边界相关） </a:t>
             </a:r>
-            <a:r>
-              <a:rPr lang="en-US" altLang="zh-CN" sz="3200" dirty="0">
-                <a:solidFill>
-                  <a:schemeClr val="tx1"/>
-                </a:solidFill>
-                <a:sym typeface="+mn-ea"/>
-              </a:rPr>
-              <a:t/>
-            </a:r>
             <a:br>
               <a:rPr lang="en-US" altLang="zh-CN" sz="3200" dirty="0">
                 <a:solidFill>
@@ -13207,6 +13022,12 @@
               </a:rPr>
               <a:t>中代表的意义不同）</a:t>
             </a:r>
+            <a:endParaRPr lang="zh-CN" altLang="en-US" sz="2000" dirty="0">
+              <a:solidFill>
+                <a:schemeClr val="tx1"/>
+              </a:solidFill>
+              <a:sym typeface="+mn-ea"/>
+            </a:endParaRPr>
           </a:p>
           <a:p>
             <a:pPr>
@@ -13223,15 +13044,6 @@
               </a:rPr>
               <a:t>正则表达式特殊字符 三 （量词） </a:t>
             </a:r>
-            <a:r>
-              <a:rPr lang="en-US" altLang="zh-CN" sz="3200" dirty="0">
-                <a:solidFill>
-                  <a:schemeClr val="tx1"/>
-                </a:solidFill>
-                <a:sym typeface="+mn-ea"/>
-              </a:rPr>
-              <a:t/>
-            </a:r>
             <a:br>
               <a:rPr lang="en-US" altLang="zh-CN" sz="3200" dirty="0">
                 <a:solidFill>
@@ -13319,15 +13131,6 @@
                 <a:sym typeface="+mn-ea"/>
               </a:rPr>
               <a:t>m次      {n,}出现至少n次</a:t>
-            </a:r>
-            <a:r>
-              <a:rPr lang="zh-CN" altLang="en-US" sz="3200" dirty="0">
-                <a:solidFill>
-                  <a:schemeClr val="tx1"/>
-                </a:solidFill>
-                <a:sym typeface="+mn-ea"/>
-              </a:rPr>
-              <a:t/>
             </a:r>
             <a:br>
               <a:rPr lang="zh-CN" altLang="en-US" sz="3200" dirty="0">
@@ -13447,6 +13250,11 @@
               </a:rPr>
               <a:t>字符类 边界相关 量词</a:t>
             </a:r>
+            <a:endParaRPr lang="zh-CN" altLang="en-US" sz="2000">
+              <a:solidFill>
+                <a:srgbClr val="FF0000"/>
+              </a:solidFill>
+            </a:endParaRPr>
           </a:p>
         </p:txBody>
       </p:sp>
@@ -13985,6 +13793,12 @@
               </a:rPr>
               <a:t>默认为贪婪模式（即尽可能多的匹配），在量词后加？可设置为非贪婪模式</a:t>
             </a:r>
+            <a:endParaRPr lang="zh-CN" altLang="en-US" sz="2000" dirty="0">
+              <a:solidFill>
+                <a:schemeClr val="tx1"/>
+              </a:solidFill>
+              <a:sym typeface="+mn-ea"/>
+            </a:endParaRPr>
           </a:p>
           <a:p>
             <a:pPr>
@@ -14150,15 +13964,6 @@
                 <a:sym typeface="+mn-ea"/>
               </a:rPr>
             </a:br>
-            <a:r>
-              <a:rPr lang="zh-CN" altLang="en-US" sz="3200" dirty="0">
-                <a:solidFill>
-                  <a:schemeClr val="tx1"/>
-                </a:solidFill>
-                <a:sym typeface="+mn-ea"/>
-              </a:rPr>
-              <a:t/>
-            </a:r>
             <a:br>
               <a:rPr lang="zh-CN" altLang="en-US" sz="3200" dirty="0">
                 <a:solidFill>
@@ -14167,15 +13972,6 @@
                 <a:sym typeface="+mn-ea"/>
               </a:rPr>
             </a:br>
-            <a:r>
-              <a:rPr lang="zh-CN" altLang="en-US" sz="3200" dirty="0">
-                <a:solidFill>
-                  <a:schemeClr val="tx1"/>
-                </a:solidFill>
-                <a:sym typeface="+mn-ea"/>
-              </a:rPr>
-              <a:t/>
-            </a:r>
             <a:br>
               <a:rPr lang="zh-CN" altLang="en-US" sz="3200" dirty="0">
                 <a:solidFill>
@@ -14184,15 +13980,6 @@
                 <a:sym typeface="+mn-ea"/>
               </a:rPr>
             </a:br>
-            <a:r>
-              <a:rPr lang="en-US" altLang="zh-CN" sz="3200" dirty="0">
-                <a:solidFill>
-                  <a:schemeClr val="tx1"/>
-                </a:solidFill>
-                <a:sym typeface="+mn-ea"/>
-              </a:rPr>
-              <a:t/>
-            </a:r>
             <a:br>
               <a:rPr lang="en-US" altLang="zh-CN" sz="3200" dirty="0">
                 <a:solidFill>
@@ -14201,15 +13988,6 @@
                 <a:sym typeface="+mn-ea"/>
               </a:rPr>
             </a:br>
-            <a:r>
-              <a:rPr lang="zh-CN" altLang="en-US" sz="3200" dirty="0">
-                <a:solidFill>
-                  <a:schemeClr val="tx1"/>
-                </a:solidFill>
-                <a:sym typeface="+mn-ea"/>
-              </a:rPr>
-              <a:t/>
-            </a:r>
             <a:br>
               <a:rPr lang="zh-CN" altLang="en-US" sz="3200" dirty="0">
                 <a:solidFill>
@@ -14312,6 +14090,11 @@
               </a:rPr>
               <a:t>贪婪模式与非贪婪模式 正则的分组</a:t>
             </a:r>
+            <a:endParaRPr lang="zh-CN" altLang="en-US" sz="2000">
+              <a:solidFill>
+                <a:srgbClr val="FF0000"/>
+              </a:solidFill>
+            </a:endParaRPr>
           </a:p>
         </p:txBody>
       </p:sp>
@@ -14324,7 +14107,7 @@
           <p:nvPr/>
         </p:nvPicPr>
         <p:blipFill>
-          <a:blip r:embed="rId3"/>
+          <a:blip r:embed="rId1"/>
           <a:stretch>
             <a:fillRect/>
           </a:stretch>
@@ -14348,7 +14131,7 @@
           <p:nvPr/>
         </p:nvPicPr>
         <p:blipFill>
-          <a:blip r:embed="rId4"/>
+          <a:blip r:embed="rId2"/>
           <a:stretch>
             <a:fillRect/>
           </a:stretch>
@@ -14393,6 +14176,11 @@
               </a:rPr>
               <a:t>/abcdef|ghijk/</a:t>
             </a:r>
+            <a:endParaRPr lang="en-US" altLang="zh-CN" sz="2400">
+              <a:solidFill>
+                <a:srgbClr val="FF0000"/>
+              </a:solidFill>
+            </a:endParaRPr>
           </a:p>
         </p:txBody>
       </p:sp>
@@ -14426,6 +14214,11 @@
               </a:rPr>
               <a:t>/abc(def|ghi)jk/</a:t>
             </a:r>
+            <a:endParaRPr lang="en-US" altLang="zh-CN" sz="2400">
+              <a:solidFill>
+                <a:srgbClr val="FF0000"/>
+              </a:solidFill>
+            </a:endParaRPr>
           </a:p>
         </p:txBody>
       </p:sp>
@@ -15166,15 +14959,6 @@
               </a:rPr>
               <a:t>反向引用</a:t>
             </a:r>
-            <a:r>
-              <a:rPr lang="zh-CN" altLang="en-US" sz="3200" dirty="0">
-                <a:solidFill>
-                  <a:schemeClr val="tx1"/>
-                </a:solidFill>
-                <a:sym typeface="+mn-ea"/>
-              </a:rPr>
-              <a:t/>
-            </a:r>
             <a:br>
               <a:rPr lang="zh-CN" altLang="en-US" sz="3200" dirty="0">
                 <a:solidFill>
@@ -15219,6 +15003,12 @@
               </a:rPr>
               <a:t>10/23/2017</a:t>
             </a:r>
+            <a:endParaRPr lang="en-US" altLang="zh-CN" sz="2000" dirty="0">
+              <a:solidFill>
+                <a:schemeClr val="tx1"/>
+              </a:solidFill>
+              <a:sym typeface="+mn-ea"/>
+            </a:endParaRPr>
           </a:p>
           <a:p>
             <a:pPr>
@@ -15287,15 +15077,6 @@
               </a:rPr>
               <a:t>在分组内加上？：即可</a:t>
             </a:r>
-            <a:r>
-              <a:rPr lang="en-US" altLang="zh-CN" sz="2000" dirty="0">
-                <a:solidFill>
-                  <a:schemeClr val="tx1"/>
-                </a:solidFill>
-                <a:sym typeface="+mn-ea"/>
-              </a:rPr>
-              <a:t/>
-            </a:r>
             <a:br>
               <a:rPr lang="en-US" altLang="zh-CN" sz="2000" dirty="0">
                 <a:solidFill>
@@ -15304,15 +15085,6 @@
                 <a:sym typeface="+mn-ea"/>
               </a:rPr>
             </a:br>
-            <a:r>
-              <a:rPr lang="zh-CN" altLang="en-US" sz="3200" dirty="0">
-                <a:solidFill>
-                  <a:schemeClr val="tx1"/>
-                </a:solidFill>
-                <a:sym typeface="+mn-ea"/>
-              </a:rPr>
-              <a:t/>
-            </a:r>
             <a:br>
               <a:rPr lang="zh-CN" altLang="en-US" sz="3200" dirty="0">
                 <a:solidFill>
@@ -15321,15 +15093,6 @@
                 <a:sym typeface="+mn-ea"/>
               </a:rPr>
             </a:br>
-            <a:r>
-              <a:rPr lang="zh-CN" altLang="en-US" sz="3200" dirty="0">
-                <a:solidFill>
-                  <a:schemeClr val="tx1"/>
-                </a:solidFill>
-                <a:sym typeface="+mn-ea"/>
-              </a:rPr>
-              <a:t/>
-            </a:r>
             <a:br>
               <a:rPr lang="zh-CN" altLang="en-US" sz="3200" dirty="0">
                 <a:solidFill>
@@ -15338,15 +15101,6 @@
                 <a:sym typeface="+mn-ea"/>
               </a:rPr>
             </a:br>
-            <a:r>
-              <a:rPr lang="en-US" altLang="zh-CN" sz="3200" dirty="0">
-                <a:solidFill>
-                  <a:schemeClr val="tx1"/>
-                </a:solidFill>
-                <a:sym typeface="+mn-ea"/>
-              </a:rPr>
-              <a:t/>
-            </a:r>
             <a:br>
               <a:rPr lang="en-US" altLang="zh-CN" sz="3200" dirty="0">
                 <a:solidFill>
@@ -15355,15 +15109,6 @@
                 <a:sym typeface="+mn-ea"/>
               </a:rPr>
             </a:br>
-            <a:r>
-              <a:rPr lang="zh-CN" altLang="en-US" sz="3200" dirty="0">
-                <a:solidFill>
-                  <a:schemeClr val="tx1"/>
-                </a:solidFill>
-                <a:sym typeface="+mn-ea"/>
-              </a:rPr>
-              <a:t/>
-            </a:r>
             <a:br>
               <a:rPr lang="zh-CN" altLang="en-US" sz="3200" dirty="0">
                 <a:solidFill>
@@ -15483,7 +15228,7 @@
           <p:nvPr/>
         </p:nvPicPr>
         <p:blipFill>
-          <a:blip r:embed="rId3"/>
+          <a:blip r:embed="rId1"/>
           <a:stretch>
             <a:fillRect/>
           </a:stretch>
@@ -15507,7 +15252,7 @@
           <p:nvPr/>
         </p:nvPicPr>
         <p:blipFill>
-          <a:blip r:embed="rId4"/>
+          <a:blip r:embed="rId2"/>
           <a:stretch>
             <a:fillRect/>
           </a:stretch>
@@ -16203,6 +15948,12 @@
               </a:rPr>
               <a:t>正则表达式简介及正则对象</a:t>
             </a:r>
+            <a:endParaRPr lang="zh-CN" altLang="en-US" sz="2800" b="1">
+              <a:solidFill>
+                <a:schemeClr val="tx1"/>
+              </a:solidFill>
+              <a:sym typeface="+mn-ea"/>
+            </a:endParaRPr>
           </a:p>
           <a:p>
             <a:pPr algn="l">
@@ -16257,6 +16008,12 @@
               </a:rPr>
               <a:t>相关的正则方法</a:t>
             </a:r>
+            <a:endParaRPr lang="zh-CN" altLang="en-US" sz="2800" b="1">
+              <a:solidFill>
+                <a:schemeClr val="accent3"/>
+              </a:solidFill>
+              <a:sym typeface="+mn-ea"/>
+            </a:endParaRPr>
           </a:p>
           <a:p>
             <a:pPr algn="l">
@@ -16860,10 +16617,9 @@
       </a:lstStyle>
     </a:lnDef>
   </a:objectDefaults>
-  <a:extraClrSchemeLst/>
   <a:extLst>
     <a:ext uri="{05A4C25C-085E-4340-85A3-A5531E510DB2}">
-      <thm15:themeFamily xmlns="" xmlns:thm15="http://schemas.microsoft.com/office/thememl/2012/main" name="Office Theme" id="{62F939B6-93AF-4DB8-9C6B-D6C7DFDC589F}" vid="{4A3C46E8-61CC-4603-A589-7422A47A8E4A}"/>
+      <thm15:themeFamily xmlns:thm15="http://schemas.microsoft.com/office/thememl/2012/main" name="Office Theme" id="{62F939B6-93AF-4DB8-9C6B-D6C7DFDC589F}" vid="{4A3C46E8-61CC-4603-A589-7422A47A8E4A}"/>
     </a:ext>
   </a:extLst>
 </a:theme>
@@ -17147,11 +16903,9 @@
       </a:bgFillStyleLst>
     </a:fmtScheme>
   </a:themeElements>
-  <a:objectDefaults/>
-  <a:extraClrSchemeLst/>
   <a:extLst>
     <a:ext uri="{05A4C25C-085E-4340-85A3-A5531E510DB2}">
-      <thm15:themeFamily xmlns="" xmlns:thm15="http://schemas.microsoft.com/office/thememl/2012/main" name="Office Theme" id="{62F939B6-93AF-4DB8-9C6B-D6C7DFDC589F}" vid="{4A3C46E8-61CC-4603-A589-7422A47A8E4A}"/>
+      <thm15:themeFamily xmlns:thm15="http://schemas.microsoft.com/office/thememl/2012/main" name="Office Theme" id="{62F939B6-93AF-4DB8-9C6B-D6C7DFDC589F}" vid="{4A3C46E8-61CC-4603-A589-7422A47A8E4A}"/>
     </a:ext>
   </a:extLst>
 </a:theme>
@@ -17408,11 +17162,9 @@
       </a:bgFillStyleLst>
     </a:fmtScheme>
   </a:themeElements>
-  <a:objectDefaults/>
-  <a:extraClrSchemeLst/>
   <a:extLst>
     <a:ext uri="{05A4C25C-085E-4340-85A3-A5531E510DB2}">
-      <thm15:themeFamily xmlns="" xmlns:thm15="http://schemas.microsoft.com/office/thememl/2012/main" name="Office Theme" id="{62F939B6-93AF-4DB8-9C6B-D6C7DFDC589F}" vid="{4A3C46E8-61CC-4603-A589-7422A47A8E4A}"/>
+      <thm15:themeFamily xmlns:thm15="http://schemas.microsoft.com/office/thememl/2012/main" name="Office Theme" id="{62F939B6-93AF-4DB8-9C6B-D6C7DFDC589F}" vid="{4A3C46E8-61CC-4603-A589-7422A47A8E4A}"/>
     </a:ext>
   </a:extLst>
 </a:theme>

--- a/课程PPT/20.JS标准内置对象-构造器（RegExp）正则表达式.pptx
+++ b/课程PPT/20.JS标准内置对象-构造器（RegExp）正则表达式.pptx
@@ -4331,7 +4331,7 @@
                   <a:srgbClr val="FF0000"/>
                 </a:solidFill>
               </a:rPr>
-              <a:t>正则表达式对象的属性 </a:t>
+              <a:t>正则表达式对象的属性，与静态属性 </a:t>
             </a:r>
             <a:endParaRPr lang="en-US" altLang="zh-CN" sz="2000">
               <a:solidFill>
@@ -10560,7 +10560,7 @@
         </p:nvSpPr>
         <p:spPr>
           <a:xfrm>
-            <a:off x="5999480" y="2551430"/>
+            <a:off x="5999480" y="2407920"/>
             <a:ext cx="5490845" cy="706755"/>
           </a:xfrm>
           <a:prstGeom prst="rect">
@@ -10617,6 +10617,24 @@
                 <a:sym typeface="+mn-ea"/>
               </a:rPr>
               <a:t>https://regex101.com/ </a:t>
+            </a:r>
+            <a:r>
+              <a:rPr lang="zh-CN" altLang="en-US" sz="2000">
+                <a:solidFill>
+                  <a:srgbClr val="FF0000"/>
+                </a:solidFill>
+                <a:sym typeface="+mn-ea"/>
+              </a:rPr>
+              <a:t>或 </a:t>
+            </a:r>
+            <a:r>
+              <a:rPr lang="en-US" altLang="zh-CN" sz="2000">
+                <a:solidFill>
+                  <a:srgbClr val="FF0000"/>
+                </a:solidFill>
+                <a:sym typeface="+mn-ea"/>
+              </a:rPr>
+              <a:t>https://jex.im/regulex </a:t>
             </a:r>
             <a:endParaRPr lang="en-US" altLang="zh-CN" sz="2000">
               <a:solidFill>
@@ -10660,7 +10678,7 @@
         <p:spPr>
           <a:xfrm>
             <a:off x="9306560" y="3986530"/>
-            <a:ext cx="2425700" cy="398780"/>
+            <a:ext cx="2639695" cy="1014730"/>
           </a:xfrm>
           <a:prstGeom prst="rect">
             <a:avLst/>
@@ -10676,14 +10694,45 @@
             <a:r>
               <a:rPr lang="zh-CN" sz="2000">
                 <a:solidFill>
-                  <a:srgbClr val="FF0000"/>
-                </a:solidFill>
-              </a:rPr>
-              <a:t>方式一 字符串方法</a:t>
+                  <a:schemeClr val="tx1"/>
+                </a:solidFill>
+              </a:rPr>
+              <a:t>正则对象使用</a:t>
+            </a:r>
+            <a:r>
+              <a:rPr lang="zh-CN" sz="2000">
+                <a:solidFill>
+                  <a:schemeClr val="accent3"/>
+                </a:solidFill>
+              </a:rPr>
+              <a:t>方式一</a:t>
+            </a:r>
+            <a:r>
+              <a:rPr lang="zh-CN" sz="2000">
+                <a:solidFill>
+                  <a:schemeClr val="tx1"/>
+                </a:solidFill>
+              </a:rPr>
+              <a:t> </a:t>
             </a:r>
             <a:endParaRPr lang="zh-CN" sz="2000">
               <a:solidFill>
-                <a:srgbClr val="FF0000"/>
+                <a:schemeClr val="tx1"/>
+              </a:solidFill>
+            </a:endParaRPr>
+          </a:p>
+          <a:p>
+            <a:r>
+              <a:rPr lang="zh-CN" sz="2000">
+                <a:solidFill>
+                  <a:schemeClr val="tx1"/>
+                </a:solidFill>
+              </a:rPr>
+              <a:t>作为字符串方法中的参数</a:t>
+            </a:r>
+            <a:endParaRPr lang="zh-CN" sz="2000">
+              <a:solidFill>
+                <a:schemeClr val="tx1"/>
               </a:solidFill>
             </a:endParaRPr>
           </a:p>
@@ -10698,7 +10747,7 @@
         <p:spPr>
           <a:xfrm>
             <a:off x="8141970" y="5261610"/>
-            <a:ext cx="2564130" cy="398780"/>
+            <a:ext cx="2564130" cy="706755"/>
           </a:xfrm>
           <a:prstGeom prst="rect">
             <a:avLst/>
@@ -10714,15 +10763,52 @@
             <a:r>
               <a:rPr lang="zh-CN" sz="2000">
                 <a:solidFill>
+                  <a:schemeClr val="tx1"/>
+                </a:solidFill>
+                <a:sym typeface="+mn-ea"/>
+              </a:rPr>
+              <a:t>正则对象使用</a:t>
+            </a:r>
+            <a:r>
+              <a:rPr lang="zh-CN" sz="2000">
+                <a:solidFill>
                   <a:srgbClr val="FF0000"/>
                 </a:solidFill>
-              </a:rPr>
-              <a:t>方式二 正则对象方法</a:t>
+                <a:sym typeface="+mn-ea"/>
+              </a:rPr>
+              <a:t>方式二</a:t>
+            </a:r>
+            <a:r>
+              <a:rPr lang="zh-CN" sz="2000">
+                <a:solidFill>
+                  <a:schemeClr val="tx1"/>
+                </a:solidFill>
+                <a:sym typeface="+mn-ea"/>
+              </a:rPr>
+              <a:t> </a:t>
             </a:r>
             <a:endParaRPr lang="zh-CN" sz="2000">
               <a:solidFill>
-                <a:srgbClr val="FF0000"/>
+                <a:schemeClr val="tx1"/>
               </a:solidFill>
+              <a:sym typeface="+mn-ea"/>
+            </a:endParaRPr>
+          </a:p>
+          <a:p>
+            <a:r>
+              <a:rPr lang="zh-CN" sz="2000">
+                <a:solidFill>
+                  <a:schemeClr val="tx1"/>
+                </a:solidFill>
+                <a:sym typeface="+mn-ea"/>
+              </a:rPr>
+              <a:t>调用正则对象的方法</a:t>
+            </a:r>
+            <a:endParaRPr lang="zh-CN" sz="2000">
+              <a:solidFill>
+                <a:schemeClr val="tx1"/>
+              </a:solidFill>
+              <a:sym typeface="+mn-ea"/>
             </a:endParaRPr>
           </a:p>
         </p:txBody>

--- a/课程PPT/20.JS标准内置对象-构造器（RegExp）正则表达式.pptx
+++ b/课程PPT/20.JS标准内置对象-构造器（RegExp）正则表达式.pptx
@@ -4281,7 +4281,7 @@
               <a:rPr lang="zh-CN" altLang="en-US" dirty="0">
                 <a:sym typeface="+mn-ea"/>
               </a:rPr>
-              <a:t>RegExp及String相关的正则方法</a:t>
+              <a:t>RegExp及String相关的正则属性和方法</a:t>
             </a:r>
             <a:endParaRPr lang="zh-CN" altLang="en-US" dirty="0"/>
           </a:p>
@@ -4926,7 +4926,7 @@
               <a:rPr lang="zh-CN" altLang="en-US" dirty="0">
                 <a:sym typeface="+mn-ea"/>
               </a:rPr>
-              <a:t>RegExp及String相关的正则方法</a:t>
+              <a:t>RegExp及String相关的正则属性和方法</a:t>
             </a:r>
             <a:endParaRPr lang="zh-CN" altLang="en-US" dirty="0"/>
           </a:p>
@@ -5744,7 +5744,7 @@
               <a:rPr lang="zh-CN" altLang="en-US" dirty="0">
                 <a:sym typeface="+mn-ea"/>
               </a:rPr>
-              <a:t>RegExp及String相关的正则方法</a:t>
+              <a:t>RegExp及String相关的正则属性和方法</a:t>
             </a:r>
             <a:endParaRPr lang="zh-CN" altLang="en-US" dirty="0"/>
           </a:p>
@@ -6571,7 +6571,7 @@
               <a:rPr lang="zh-CN" altLang="en-US" dirty="0">
                 <a:sym typeface="+mn-ea"/>
               </a:rPr>
-              <a:t>RegExp及String相关的正则方法</a:t>
+              <a:t>RegExp及String相关的正则属性和方法</a:t>
             </a:r>
             <a:endParaRPr lang="zh-CN" altLang="en-US" dirty="0"/>
           </a:p>
@@ -8039,7 +8039,7 @@
               <a:rPr lang="zh-CN" altLang="en-US" dirty="0">
                 <a:sym typeface="+mn-ea"/>
               </a:rPr>
-              <a:t>RegExp及String相关的正则方法</a:t>
+              <a:t>RegExp正则案例</a:t>
             </a:r>
             <a:endParaRPr lang="zh-CN" altLang="en-US" dirty="0"/>
           </a:p>
